--- a/ppt 16-9/1164.千禧年美景.pptx
+++ b/ppt 16-9/1164.千禧年美景.pptx
@@ -5,7 +5,7 @@
     <p:sldMasterId id="2147483648" r:id="rId1"/>
   </p:sldMasterIdLst>
   <p:sldIdLst>
-    <p:sldId id="667" r:id="rId2"/>
+    <p:sldId id="668" r:id="rId2"/>
   </p:sldIdLst>
   <p:sldSz cx="12192000" cy="6858000"/>
   <p:notesSz cx="6858000" cy="9144000"/>
@@ -129,7 +129,7 @@
           <p:cNvPr id="2" name="标题 1">
             <a:extLst>
               <a:ext uri="{FF2B5EF4-FFF2-40B4-BE49-F238E27FC236}">
-                <a16:creationId xmlns:a16="http://schemas.microsoft.com/office/drawing/2014/main" id="{ECE8B10A-E394-2956-0B09-071CC0F9AAAA}"/>
+                <a16:creationId xmlns:a16="http://schemas.microsoft.com/office/drawing/2014/main" id="{E9EE0A21-50AD-31F2-5ACC-D44BB3240A66}"/>
               </a:ext>
             </a:extLst>
           </p:cNvPr>
@@ -166,7 +166,7 @@
           <p:cNvPr id="3" name="副标题 2">
             <a:extLst>
               <a:ext uri="{FF2B5EF4-FFF2-40B4-BE49-F238E27FC236}">
-                <a16:creationId xmlns:a16="http://schemas.microsoft.com/office/drawing/2014/main" id="{F116C402-4352-056E-1C2E-05B2C38651C8}"/>
+                <a16:creationId xmlns:a16="http://schemas.microsoft.com/office/drawing/2014/main" id="{C9EA5C0A-C2CF-E84C-8055-4B5E950BC778}"/>
               </a:ext>
             </a:extLst>
           </p:cNvPr>
@@ -236,7 +236,7 @@
           <p:cNvPr id="4" name="日期占位符 3">
             <a:extLst>
               <a:ext uri="{FF2B5EF4-FFF2-40B4-BE49-F238E27FC236}">
-                <a16:creationId xmlns:a16="http://schemas.microsoft.com/office/drawing/2014/main" id="{B0A88844-1D62-E9BC-BC28-2A1174F4546B}"/>
+                <a16:creationId xmlns:a16="http://schemas.microsoft.com/office/drawing/2014/main" id="{4C62BBD6-C3B5-C4D7-DA4B-66EE3B99B44D}"/>
               </a:ext>
             </a:extLst>
           </p:cNvPr>
@@ -252,7 +252,7 @@
           <a:bodyPr/>
           <a:lstStyle/>
           <a:p>
-            <a:fld id="{7B1A8B69-7272-4C07-A9DE-BAD43D5B58CC}" type="datetimeFigureOut">
+            <a:fld id="{4B77FDFA-C2B5-4C17-BF22-A374DB19E798}" type="datetimeFigureOut">
               <a:rPr lang="zh-CN" altLang="en-US" smtClean="0"/>
               <a:t>2024/3/10</a:t>
             </a:fld>
@@ -265,7 +265,7 @@
           <p:cNvPr id="5" name="页脚占位符 4">
             <a:extLst>
               <a:ext uri="{FF2B5EF4-FFF2-40B4-BE49-F238E27FC236}">
-                <a16:creationId xmlns:a16="http://schemas.microsoft.com/office/drawing/2014/main" id="{1B09B074-CC56-4DA7-3DFF-70EBD8C9919C}"/>
+                <a16:creationId xmlns:a16="http://schemas.microsoft.com/office/drawing/2014/main" id="{74977819-8B6C-DC1B-522E-43A9BFD9A5E7}"/>
               </a:ext>
             </a:extLst>
           </p:cNvPr>
@@ -290,7 +290,7 @@
           <p:cNvPr id="6" name="灯片编号占位符 5">
             <a:extLst>
               <a:ext uri="{FF2B5EF4-FFF2-40B4-BE49-F238E27FC236}">
-                <a16:creationId xmlns:a16="http://schemas.microsoft.com/office/drawing/2014/main" id="{1ECD6C19-2524-2D16-676B-82704A88748A}"/>
+                <a16:creationId xmlns:a16="http://schemas.microsoft.com/office/drawing/2014/main" id="{C0CFBCB6-166E-59EC-85EC-75B2A0B54E3D}"/>
               </a:ext>
             </a:extLst>
           </p:cNvPr>
@@ -306,7 +306,7 @@
           <a:bodyPr/>
           <a:lstStyle/>
           <a:p>
-            <a:fld id="{63329F35-5440-4AE3-9BFD-A1EE19C56A10}" type="slidenum">
+            <a:fld id="{613AEBAE-02A7-4FAE-929F-DFF87EF53C09}" type="slidenum">
               <a:rPr lang="zh-CN" altLang="en-US" smtClean="0"/>
               <a:t>‹#›</a:t>
             </a:fld>
@@ -317,7 +317,7 @@
     </p:spTree>
     <p:extLst>
       <p:ext uri="{BB962C8B-B14F-4D97-AF65-F5344CB8AC3E}">
-        <p14:creationId xmlns:p14="http://schemas.microsoft.com/office/powerpoint/2010/main" val="4141871265"/>
+        <p14:creationId xmlns:p14="http://schemas.microsoft.com/office/powerpoint/2010/main" val="658499229"/>
       </p:ext>
     </p:extLst>
   </p:cSld>
@@ -349,7 +349,7 @@
           <p:cNvPr id="2" name="标题 1">
             <a:extLst>
               <a:ext uri="{FF2B5EF4-FFF2-40B4-BE49-F238E27FC236}">
-                <a16:creationId xmlns:a16="http://schemas.microsoft.com/office/drawing/2014/main" id="{91A66822-8168-8C5D-A76F-E8AE568D6805}"/>
+                <a16:creationId xmlns:a16="http://schemas.microsoft.com/office/drawing/2014/main" id="{41829BB6-7898-6B82-91BE-E4516FAE66F2}"/>
               </a:ext>
             </a:extLst>
           </p:cNvPr>
@@ -377,7 +377,7 @@
           <p:cNvPr id="3" name="竖排文字占位符 2">
             <a:extLst>
               <a:ext uri="{FF2B5EF4-FFF2-40B4-BE49-F238E27FC236}">
-                <a16:creationId xmlns:a16="http://schemas.microsoft.com/office/drawing/2014/main" id="{84788C2B-D56D-AFF2-B14E-FF29C06730DF}"/>
+                <a16:creationId xmlns:a16="http://schemas.microsoft.com/office/drawing/2014/main" id="{9717FEDF-C13D-D3D2-8831-28160EFDF8E0}"/>
               </a:ext>
             </a:extLst>
           </p:cNvPr>
@@ -434,7 +434,7 @@
           <p:cNvPr id="4" name="日期占位符 3">
             <a:extLst>
               <a:ext uri="{FF2B5EF4-FFF2-40B4-BE49-F238E27FC236}">
-                <a16:creationId xmlns:a16="http://schemas.microsoft.com/office/drawing/2014/main" id="{01BB70FD-22E1-B2AA-267F-F673992B45A1}"/>
+                <a16:creationId xmlns:a16="http://schemas.microsoft.com/office/drawing/2014/main" id="{6F70049D-5A28-D481-E079-BA9681CF250E}"/>
               </a:ext>
             </a:extLst>
           </p:cNvPr>
@@ -450,7 +450,7 @@
           <a:bodyPr/>
           <a:lstStyle/>
           <a:p>
-            <a:fld id="{7B1A8B69-7272-4C07-A9DE-BAD43D5B58CC}" type="datetimeFigureOut">
+            <a:fld id="{4B77FDFA-C2B5-4C17-BF22-A374DB19E798}" type="datetimeFigureOut">
               <a:rPr lang="zh-CN" altLang="en-US" smtClean="0"/>
               <a:t>2024/3/10</a:t>
             </a:fld>
@@ -463,7 +463,7 @@
           <p:cNvPr id="5" name="页脚占位符 4">
             <a:extLst>
               <a:ext uri="{FF2B5EF4-FFF2-40B4-BE49-F238E27FC236}">
-                <a16:creationId xmlns:a16="http://schemas.microsoft.com/office/drawing/2014/main" id="{1D2C70AD-3E89-DB90-6252-A5D46B31F967}"/>
+                <a16:creationId xmlns:a16="http://schemas.microsoft.com/office/drawing/2014/main" id="{2C113829-318C-D73D-89CF-C8595038D57C}"/>
               </a:ext>
             </a:extLst>
           </p:cNvPr>
@@ -488,7 +488,7 @@
           <p:cNvPr id="6" name="灯片编号占位符 5">
             <a:extLst>
               <a:ext uri="{FF2B5EF4-FFF2-40B4-BE49-F238E27FC236}">
-                <a16:creationId xmlns:a16="http://schemas.microsoft.com/office/drawing/2014/main" id="{D32F115D-9D3F-A596-2A3A-69A76179B4D5}"/>
+                <a16:creationId xmlns:a16="http://schemas.microsoft.com/office/drawing/2014/main" id="{94A020F0-4311-7520-A576-8B374ECD76D0}"/>
               </a:ext>
             </a:extLst>
           </p:cNvPr>
@@ -504,7 +504,7 @@
           <a:bodyPr/>
           <a:lstStyle/>
           <a:p>
-            <a:fld id="{63329F35-5440-4AE3-9BFD-A1EE19C56A10}" type="slidenum">
+            <a:fld id="{613AEBAE-02A7-4FAE-929F-DFF87EF53C09}" type="slidenum">
               <a:rPr lang="zh-CN" altLang="en-US" smtClean="0"/>
               <a:t>‹#›</a:t>
             </a:fld>
@@ -515,7 +515,7 @@
     </p:spTree>
     <p:extLst>
       <p:ext uri="{BB962C8B-B14F-4D97-AF65-F5344CB8AC3E}">
-        <p14:creationId xmlns:p14="http://schemas.microsoft.com/office/powerpoint/2010/main" val="295220859"/>
+        <p14:creationId xmlns:p14="http://schemas.microsoft.com/office/powerpoint/2010/main" val="3804633053"/>
       </p:ext>
     </p:extLst>
   </p:cSld>
@@ -547,7 +547,7 @@
           <p:cNvPr id="2" name="竖排标题 1">
             <a:extLst>
               <a:ext uri="{FF2B5EF4-FFF2-40B4-BE49-F238E27FC236}">
-                <a16:creationId xmlns:a16="http://schemas.microsoft.com/office/drawing/2014/main" id="{AC59358A-044E-AD9A-28B0-D58FD5EFAF4F}"/>
+                <a16:creationId xmlns:a16="http://schemas.microsoft.com/office/drawing/2014/main" id="{435DF4D6-4267-6CB7-7090-2F4EFCEBB758}"/>
               </a:ext>
             </a:extLst>
           </p:cNvPr>
@@ -580,7 +580,7 @@
           <p:cNvPr id="3" name="竖排文字占位符 2">
             <a:extLst>
               <a:ext uri="{FF2B5EF4-FFF2-40B4-BE49-F238E27FC236}">
-                <a16:creationId xmlns:a16="http://schemas.microsoft.com/office/drawing/2014/main" id="{54BF834F-EEBA-CE45-DD2E-008314052408}"/>
+                <a16:creationId xmlns:a16="http://schemas.microsoft.com/office/drawing/2014/main" id="{B0A15668-DB8E-5713-5CBA-42CC7D1233F3}"/>
               </a:ext>
             </a:extLst>
           </p:cNvPr>
@@ -642,7 +642,7 @@
           <p:cNvPr id="4" name="日期占位符 3">
             <a:extLst>
               <a:ext uri="{FF2B5EF4-FFF2-40B4-BE49-F238E27FC236}">
-                <a16:creationId xmlns:a16="http://schemas.microsoft.com/office/drawing/2014/main" id="{6C96D4DC-9B69-99B7-F8FF-42CB65A73E46}"/>
+                <a16:creationId xmlns:a16="http://schemas.microsoft.com/office/drawing/2014/main" id="{96C22C65-61C3-9CDC-C371-2A84A02747B2}"/>
               </a:ext>
             </a:extLst>
           </p:cNvPr>
@@ -658,7 +658,7 @@
           <a:bodyPr/>
           <a:lstStyle/>
           <a:p>
-            <a:fld id="{7B1A8B69-7272-4C07-A9DE-BAD43D5B58CC}" type="datetimeFigureOut">
+            <a:fld id="{4B77FDFA-C2B5-4C17-BF22-A374DB19E798}" type="datetimeFigureOut">
               <a:rPr lang="zh-CN" altLang="en-US" smtClean="0"/>
               <a:t>2024/3/10</a:t>
             </a:fld>
@@ -671,7 +671,7 @@
           <p:cNvPr id="5" name="页脚占位符 4">
             <a:extLst>
               <a:ext uri="{FF2B5EF4-FFF2-40B4-BE49-F238E27FC236}">
-                <a16:creationId xmlns:a16="http://schemas.microsoft.com/office/drawing/2014/main" id="{AEC8EDF8-53F8-2258-D568-089BD6DEED39}"/>
+                <a16:creationId xmlns:a16="http://schemas.microsoft.com/office/drawing/2014/main" id="{71795384-AE3A-84E0-33FE-47F6E88A6E1F}"/>
               </a:ext>
             </a:extLst>
           </p:cNvPr>
@@ -696,7 +696,7 @@
           <p:cNvPr id="6" name="灯片编号占位符 5">
             <a:extLst>
               <a:ext uri="{FF2B5EF4-FFF2-40B4-BE49-F238E27FC236}">
-                <a16:creationId xmlns:a16="http://schemas.microsoft.com/office/drawing/2014/main" id="{CAE15FB1-321D-61D0-E77A-ADAA8FBEBDAD}"/>
+                <a16:creationId xmlns:a16="http://schemas.microsoft.com/office/drawing/2014/main" id="{524ED405-557D-3E14-EF4C-C4532C9A5E0D}"/>
               </a:ext>
             </a:extLst>
           </p:cNvPr>
@@ -712,7 +712,7 @@
           <a:bodyPr/>
           <a:lstStyle/>
           <a:p>
-            <a:fld id="{63329F35-5440-4AE3-9BFD-A1EE19C56A10}" type="slidenum">
+            <a:fld id="{613AEBAE-02A7-4FAE-929F-DFF87EF53C09}" type="slidenum">
               <a:rPr lang="zh-CN" altLang="en-US" smtClean="0"/>
               <a:t>‹#›</a:t>
             </a:fld>
@@ -723,7 +723,7 @@
     </p:spTree>
     <p:extLst>
       <p:ext uri="{BB962C8B-B14F-4D97-AF65-F5344CB8AC3E}">
-        <p14:creationId xmlns:p14="http://schemas.microsoft.com/office/powerpoint/2010/main" val="2036657638"/>
+        <p14:creationId xmlns:p14="http://schemas.microsoft.com/office/powerpoint/2010/main" val="1704401148"/>
       </p:ext>
     </p:extLst>
   </p:cSld>
@@ -755,7 +755,7 @@
           <p:cNvPr id="2" name="标题 1">
             <a:extLst>
               <a:ext uri="{FF2B5EF4-FFF2-40B4-BE49-F238E27FC236}">
-                <a16:creationId xmlns:a16="http://schemas.microsoft.com/office/drawing/2014/main" id="{D87728AA-EBE9-03C1-8F60-C385A53491C9}"/>
+                <a16:creationId xmlns:a16="http://schemas.microsoft.com/office/drawing/2014/main" id="{0FFB4AF5-6326-92B8-CA65-6FF36D7B8399}"/>
               </a:ext>
             </a:extLst>
           </p:cNvPr>
@@ -783,7 +783,7 @@
           <p:cNvPr id="3" name="内容占位符 2">
             <a:extLst>
               <a:ext uri="{FF2B5EF4-FFF2-40B4-BE49-F238E27FC236}">
-                <a16:creationId xmlns:a16="http://schemas.microsoft.com/office/drawing/2014/main" id="{EBE9C219-031A-23D1-D662-CBBDFC6C4E2A}"/>
+                <a16:creationId xmlns:a16="http://schemas.microsoft.com/office/drawing/2014/main" id="{9B7686C4-89CE-AD16-C192-B847EB0426AF}"/>
               </a:ext>
             </a:extLst>
           </p:cNvPr>
@@ -840,7 +840,7 @@
           <p:cNvPr id="4" name="日期占位符 3">
             <a:extLst>
               <a:ext uri="{FF2B5EF4-FFF2-40B4-BE49-F238E27FC236}">
-                <a16:creationId xmlns:a16="http://schemas.microsoft.com/office/drawing/2014/main" id="{F3E77351-38A8-E7E7-5DDD-7246D5E9970E}"/>
+                <a16:creationId xmlns:a16="http://schemas.microsoft.com/office/drawing/2014/main" id="{EB556949-4F22-4B2F-D467-6E81632C8406}"/>
               </a:ext>
             </a:extLst>
           </p:cNvPr>
@@ -856,7 +856,7 @@
           <a:bodyPr/>
           <a:lstStyle/>
           <a:p>
-            <a:fld id="{7B1A8B69-7272-4C07-A9DE-BAD43D5B58CC}" type="datetimeFigureOut">
+            <a:fld id="{4B77FDFA-C2B5-4C17-BF22-A374DB19E798}" type="datetimeFigureOut">
               <a:rPr lang="zh-CN" altLang="en-US" smtClean="0"/>
               <a:t>2024/3/10</a:t>
             </a:fld>
@@ -869,7 +869,7 @@
           <p:cNvPr id="5" name="页脚占位符 4">
             <a:extLst>
               <a:ext uri="{FF2B5EF4-FFF2-40B4-BE49-F238E27FC236}">
-                <a16:creationId xmlns:a16="http://schemas.microsoft.com/office/drawing/2014/main" id="{3456B143-C807-B331-11EE-BAF81F397D26}"/>
+                <a16:creationId xmlns:a16="http://schemas.microsoft.com/office/drawing/2014/main" id="{B935330A-BFA5-6653-7861-F76DD2E363EA}"/>
               </a:ext>
             </a:extLst>
           </p:cNvPr>
@@ -894,7 +894,7 @@
           <p:cNvPr id="6" name="灯片编号占位符 5">
             <a:extLst>
               <a:ext uri="{FF2B5EF4-FFF2-40B4-BE49-F238E27FC236}">
-                <a16:creationId xmlns:a16="http://schemas.microsoft.com/office/drawing/2014/main" id="{58B36182-5DF8-4C9E-7B98-A759AFB3944C}"/>
+                <a16:creationId xmlns:a16="http://schemas.microsoft.com/office/drawing/2014/main" id="{D7D845F7-9FCF-DE14-CCFA-891B404D1C10}"/>
               </a:ext>
             </a:extLst>
           </p:cNvPr>
@@ -910,7 +910,7 @@
           <a:bodyPr/>
           <a:lstStyle/>
           <a:p>
-            <a:fld id="{63329F35-5440-4AE3-9BFD-A1EE19C56A10}" type="slidenum">
+            <a:fld id="{613AEBAE-02A7-4FAE-929F-DFF87EF53C09}" type="slidenum">
               <a:rPr lang="zh-CN" altLang="en-US" smtClean="0"/>
               <a:t>‹#›</a:t>
             </a:fld>
@@ -921,7 +921,7 @@
     </p:spTree>
     <p:extLst>
       <p:ext uri="{BB962C8B-B14F-4D97-AF65-F5344CB8AC3E}">
-        <p14:creationId xmlns:p14="http://schemas.microsoft.com/office/powerpoint/2010/main" val="1628550432"/>
+        <p14:creationId xmlns:p14="http://schemas.microsoft.com/office/powerpoint/2010/main" val="2457100996"/>
       </p:ext>
     </p:extLst>
   </p:cSld>
@@ -953,7 +953,7 @@
           <p:cNvPr id="2" name="标题 1">
             <a:extLst>
               <a:ext uri="{FF2B5EF4-FFF2-40B4-BE49-F238E27FC236}">
-                <a16:creationId xmlns:a16="http://schemas.microsoft.com/office/drawing/2014/main" id="{D3C65E50-0A73-3777-24D4-0D66286098AB}"/>
+                <a16:creationId xmlns:a16="http://schemas.microsoft.com/office/drawing/2014/main" id="{3511EEB8-307A-17C6-FB20-D757E5F4F178}"/>
               </a:ext>
             </a:extLst>
           </p:cNvPr>
@@ -990,7 +990,7 @@
           <p:cNvPr id="3" name="文本占位符 2">
             <a:extLst>
               <a:ext uri="{FF2B5EF4-FFF2-40B4-BE49-F238E27FC236}">
-                <a16:creationId xmlns:a16="http://schemas.microsoft.com/office/drawing/2014/main" id="{67FDE9C1-E67B-3870-4FA5-AC42CA373325}"/>
+                <a16:creationId xmlns:a16="http://schemas.microsoft.com/office/drawing/2014/main" id="{64556822-2FD3-FB70-06B9-6A7810A7D808}"/>
               </a:ext>
             </a:extLst>
           </p:cNvPr>
@@ -1115,7 +1115,7 @@
           <p:cNvPr id="4" name="日期占位符 3">
             <a:extLst>
               <a:ext uri="{FF2B5EF4-FFF2-40B4-BE49-F238E27FC236}">
-                <a16:creationId xmlns:a16="http://schemas.microsoft.com/office/drawing/2014/main" id="{F3953438-0676-DD46-5177-46E77770CADD}"/>
+                <a16:creationId xmlns:a16="http://schemas.microsoft.com/office/drawing/2014/main" id="{4CB70891-F2ED-82C6-8B62-FBADA601BD3D}"/>
               </a:ext>
             </a:extLst>
           </p:cNvPr>
@@ -1131,7 +1131,7 @@
           <a:bodyPr/>
           <a:lstStyle/>
           <a:p>
-            <a:fld id="{7B1A8B69-7272-4C07-A9DE-BAD43D5B58CC}" type="datetimeFigureOut">
+            <a:fld id="{4B77FDFA-C2B5-4C17-BF22-A374DB19E798}" type="datetimeFigureOut">
               <a:rPr lang="zh-CN" altLang="en-US" smtClean="0"/>
               <a:t>2024/3/10</a:t>
             </a:fld>
@@ -1144,7 +1144,7 @@
           <p:cNvPr id="5" name="页脚占位符 4">
             <a:extLst>
               <a:ext uri="{FF2B5EF4-FFF2-40B4-BE49-F238E27FC236}">
-                <a16:creationId xmlns:a16="http://schemas.microsoft.com/office/drawing/2014/main" id="{BABB48F7-ED7A-D303-00FD-712159D96E48}"/>
+                <a16:creationId xmlns:a16="http://schemas.microsoft.com/office/drawing/2014/main" id="{87001B62-E883-8188-D0B2-D714FB6CF2CE}"/>
               </a:ext>
             </a:extLst>
           </p:cNvPr>
@@ -1169,7 +1169,7 @@
           <p:cNvPr id="6" name="灯片编号占位符 5">
             <a:extLst>
               <a:ext uri="{FF2B5EF4-FFF2-40B4-BE49-F238E27FC236}">
-                <a16:creationId xmlns:a16="http://schemas.microsoft.com/office/drawing/2014/main" id="{73358164-63A1-7D65-A2A8-B1F564310F10}"/>
+                <a16:creationId xmlns:a16="http://schemas.microsoft.com/office/drawing/2014/main" id="{C91E1895-231B-22A9-5364-FA0B88DEB42A}"/>
               </a:ext>
             </a:extLst>
           </p:cNvPr>
@@ -1185,7 +1185,7 @@
           <a:bodyPr/>
           <a:lstStyle/>
           <a:p>
-            <a:fld id="{63329F35-5440-4AE3-9BFD-A1EE19C56A10}" type="slidenum">
+            <a:fld id="{613AEBAE-02A7-4FAE-929F-DFF87EF53C09}" type="slidenum">
               <a:rPr lang="zh-CN" altLang="en-US" smtClean="0"/>
               <a:t>‹#›</a:t>
             </a:fld>
@@ -1196,7 +1196,7 @@
     </p:spTree>
     <p:extLst>
       <p:ext uri="{BB962C8B-B14F-4D97-AF65-F5344CB8AC3E}">
-        <p14:creationId xmlns:p14="http://schemas.microsoft.com/office/powerpoint/2010/main" val="4042799466"/>
+        <p14:creationId xmlns:p14="http://schemas.microsoft.com/office/powerpoint/2010/main" val="3222528055"/>
       </p:ext>
     </p:extLst>
   </p:cSld>
@@ -1228,7 +1228,7 @@
           <p:cNvPr id="2" name="标题 1">
             <a:extLst>
               <a:ext uri="{FF2B5EF4-FFF2-40B4-BE49-F238E27FC236}">
-                <a16:creationId xmlns:a16="http://schemas.microsoft.com/office/drawing/2014/main" id="{5E09701C-19F3-B299-7AAA-58309AFE3FBD}"/>
+                <a16:creationId xmlns:a16="http://schemas.microsoft.com/office/drawing/2014/main" id="{FF450A5C-B2CC-CECC-689E-568686659CCF}"/>
               </a:ext>
             </a:extLst>
           </p:cNvPr>
@@ -1256,7 +1256,7 @@
           <p:cNvPr id="3" name="内容占位符 2">
             <a:extLst>
               <a:ext uri="{FF2B5EF4-FFF2-40B4-BE49-F238E27FC236}">
-                <a16:creationId xmlns:a16="http://schemas.microsoft.com/office/drawing/2014/main" id="{6107C509-4050-238F-E82F-A6162E0518E4}"/>
+                <a16:creationId xmlns:a16="http://schemas.microsoft.com/office/drawing/2014/main" id="{45AD0DDA-127A-C48A-C9F0-67A0302DB3BC}"/>
               </a:ext>
             </a:extLst>
           </p:cNvPr>
@@ -1318,7 +1318,7 @@
           <p:cNvPr id="4" name="内容占位符 3">
             <a:extLst>
               <a:ext uri="{FF2B5EF4-FFF2-40B4-BE49-F238E27FC236}">
-                <a16:creationId xmlns:a16="http://schemas.microsoft.com/office/drawing/2014/main" id="{151A4843-1052-A01B-46BA-379862382FC7}"/>
+                <a16:creationId xmlns:a16="http://schemas.microsoft.com/office/drawing/2014/main" id="{298EE181-B857-D84D-8A1C-D61D4E13B372}"/>
               </a:ext>
             </a:extLst>
           </p:cNvPr>
@@ -1380,7 +1380,7 @@
           <p:cNvPr id="5" name="日期占位符 4">
             <a:extLst>
               <a:ext uri="{FF2B5EF4-FFF2-40B4-BE49-F238E27FC236}">
-                <a16:creationId xmlns:a16="http://schemas.microsoft.com/office/drawing/2014/main" id="{81B1B03B-10D4-6BEA-9393-829AAAA7021D}"/>
+                <a16:creationId xmlns:a16="http://schemas.microsoft.com/office/drawing/2014/main" id="{424326C5-4687-B65C-3C91-A8C9F7753C11}"/>
               </a:ext>
             </a:extLst>
           </p:cNvPr>
@@ -1396,7 +1396,7 @@
           <a:bodyPr/>
           <a:lstStyle/>
           <a:p>
-            <a:fld id="{7B1A8B69-7272-4C07-A9DE-BAD43D5B58CC}" type="datetimeFigureOut">
+            <a:fld id="{4B77FDFA-C2B5-4C17-BF22-A374DB19E798}" type="datetimeFigureOut">
               <a:rPr lang="zh-CN" altLang="en-US" smtClean="0"/>
               <a:t>2024/3/10</a:t>
             </a:fld>
@@ -1409,7 +1409,7 @@
           <p:cNvPr id="6" name="页脚占位符 5">
             <a:extLst>
               <a:ext uri="{FF2B5EF4-FFF2-40B4-BE49-F238E27FC236}">
-                <a16:creationId xmlns:a16="http://schemas.microsoft.com/office/drawing/2014/main" id="{E41ECCEA-861E-CB17-BF33-22C3CD571BE9}"/>
+                <a16:creationId xmlns:a16="http://schemas.microsoft.com/office/drawing/2014/main" id="{CDA3CE9B-AB2C-88FD-ACC2-AE96AC7B69D4}"/>
               </a:ext>
             </a:extLst>
           </p:cNvPr>
@@ -1434,7 +1434,7 @@
           <p:cNvPr id="7" name="灯片编号占位符 6">
             <a:extLst>
               <a:ext uri="{FF2B5EF4-FFF2-40B4-BE49-F238E27FC236}">
-                <a16:creationId xmlns:a16="http://schemas.microsoft.com/office/drawing/2014/main" id="{CFB053D4-EDE2-01CF-7734-E2BC262A8FD0}"/>
+                <a16:creationId xmlns:a16="http://schemas.microsoft.com/office/drawing/2014/main" id="{2CE640BC-554C-68D1-D1E6-69886DC92FB5}"/>
               </a:ext>
             </a:extLst>
           </p:cNvPr>
@@ -1450,7 +1450,7 @@
           <a:bodyPr/>
           <a:lstStyle/>
           <a:p>
-            <a:fld id="{63329F35-5440-4AE3-9BFD-A1EE19C56A10}" type="slidenum">
+            <a:fld id="{613AEBAE-02A7-4FAE-929F-DFF87EF53C09}" type="slidenum">
               <a:rPr lang="zh-CN" altLang="en-US" smtClean="0"/>
               <a:t>‹#›</a:t>
             </a:fld>
@@ -1461,7 +1461,7 @@
     </p:spTree>
     <p:extLst>
       <p:ext uri="{BB962C8B-B14F-4D97-AF65-F5344CB8AC3E}">
-        <p14:creationId xmlns:p14="http://schemas.microsoft.com/office/powerpoint/2010/main" val="3288266032"/>
+        <p14:creationId xmlns:p14="http://schemas.microsoft.com/office/powerpoint/2010/main" val="2919732313"/>
       </p:ext>
     </p:extLst>
   </p:cSld>
@@ -1493,7 +1493,7 @@
           <p:cNvPr id="2" name="标题 1">
             <a:extLst>
               <a:ext uri="{FF2B5EF4-FFF2-40B4-BE49-F238E27FC236}">
-                <a16:creationId xmlns:a16="http://schemas.microsoft.com/office/drawing/2014/main" id="{8DC98581-1331-113A-7859-19AF5B9E5AB1}"/>
+                <a16:creationId xmlns:a16="http://schemas.microsoft.com/office/drawing/2014/main" id="{71B047E1-B28A-79DE-FECF-3C6DCC1C1EEE}"/>
               </a:ext>
             </a:extLst>
           </p:cNvPr>
@@ -1526,7 +1526,7 @@
           <p:cNvPr id="3" name="文本占位符 2">
             <a:extLst>
               <a:ext uri="{FF2B5EF4-FFF2-40B4-BE49-F238E27FC236}">
-                <a16:creationId xmlns:a16="http://schemas.microsoft.com/office/drawing/2014/main" id="{05E7E491-A144-4DD4-A199-87F2B6503DD8}"/>
+                <a16:creationId xmlns:a16="http://schemas.microsoft.com/office/drawing/2014/main" id="{3E5C4806-D6AA-9BEB-310A-C7E5686F4365}"/>
               </a:ext>
             </a:extLst>
           </p:cNvPr>
@@ -1597,7 +1597,7 @@
           <p:cNvPr id="4" name="内容占位符 3">
             <a:extLst>
               <a:ext uri="{FF2B5EF4-FFF2-40B4-BE49-F238E27FC236}">
-                <a16:creationId xmlns:a16="http://schemas.microsoft.com/office/drawing/2014/main" id="{218EAC0D-B44B-0052-3952-6B0E909B5AAC}"/>
+                <a16:creationId xmlns:a16="http://schemas.microsoft.com/office/drawing/2014/main" id="{53339785-1199-5CD8-768D-06D440A30633}"/>
               </a:ext>
             </a:extLst>
           </p:cNvPr>
@@ -1659,7 +1659,7 @@
           <p:cNvPr id="5" name="文本占位符 4">
             <a:extLst>
               <a:ext uri="{FF2B5EF4-FFF2-40B4-BE49-F238E27FC236}">
-                <a16:creationId xmlns:a16="http://schemas.microsoft.com/office/drawing/2014/main" id="{A85F08D7-7250-6335-D7E6-9DB29BBCD33F}"/>
+                <a16:creationId xmlns:a16="http://schemas.microsoft.com/office/drawing/2014/main" id="{FFB4AA10-02F0-7B87-8308-94DAB33EAEE8}"/>
               </a:ext>
             </a:extLst>
           </p:cNvPr>
@@ -1730,7 +1730,7 @@
           <p:cNvPr id="6" name="内容占位符 5">
             <a:extLst>
               <a:ext uri="{FF2B5EF4-FFF2-40B4-BE49-F238E27FC236}">
-                <a16:creationId xmlns:a16="http://schemas.microsoft.com/office/drawing/2014/main" id="{1B8B4F17-424E-0FF1-F975-C0F655EFBFF1}"/>
+                <a16:creationId xmlns:a16="http://schemas.microsoft.com/office/drawing/2014/main" id="{6F1D2AB8-E086-CA14-9C4E-5CC65857046E}"/>
               </a:ext>
             </a:extLst>
           </p:cNvPr>
@@ -1792,7 +1792,7 @@
           <p:cNvPr id="7" name="日期占位符 6">
             <a:extLst>
               <a:ext uri="{FF2B5EF4-FFF2-40B4-BE49-F238E27FC236}">
-                <a16:creationId xmlns:a16="http://schemas.microsoft.com/office/drawing/2014/main" id="{2017DA11-7A52-245D-4C84-EF7FDE3CC1CD}"/>
+                <a16:creationId xmlns:a16="http://schemas.microsoft.com/office/drawing/2014/main" id="{61EDA312-E215-5264-F47C-2D9604AB8796}"/>
               </a:ext>
             </a:extLst>
           </p:cNvPr>
@@ -1808,7 +1808,7 @@
           <a:bodyPr/>
           <a:lstStyle/>
           <a:p>
-            <a:fld id="{7B1A8B69-7272-4C07-A9DE-BAD43D5B58CC}" type="datetimeFigureOut">
+            <a:fld id="{4B77FDFA-C2B5-4C17-BF22-A374DB19E798}" type="datetimeFigureOut">
               <a:rPr lang="zh-CN" altLang="en-US" smtClean="0"/>
               <a:t>2024/3/10</a:t>
             </a:fld>
@@ -1821,7 +1821,7 @@
           <p:cNvPr id="8" name="页脚占位符 7">
             <a:extLst>
               <a:ext uri="{FF2B5EF4-FFF2-40B4-BE49-F238E27FC236}">
-                <a16:creationId xmlns:a16="http://schemas.microsoft.com/office/drawing/2014/main" id="{689363F0-1997-1AB3-A796-9D9BBE602751}"/>
+                <a16:creationId xmlns:a16="http://schemas.microsoft.com/office/drawing/2014/main" id="{D363CB37-E886-88A2-8592-F7E6F236341A}"/>
               </a:ext>
             </a:extLst>
           </p:cNvPr>
@@ -1846,7 +1846,7 @@
           <p:cNvPr id="9" name="灯片编号占位符 8">
             <a:extLst>
               <a:ext uri="{FF2B5EF4-FFF2-40B4-BE49-F238E27FC236}">
-                <a16:creationId xmlns:a16="http://schemas.microsoft.com/office/drawing/2014/main" id="{1F61518F-0A56-71BC-051E-3E984B7CD6B0}"/>
+                <a16:creationId xmlns:a16="http://schemas.microsoft.com/office/drawing/2014/main" id="{41368FB2-7AAD-B3DE-0EF1-FA1F23B7CD17}"/>
               </a:ext>
             </a:extLst>
           </p:cNvPr>
@@ -1862,7 +1862,7 @@
           <a:bodyPr/>
           <a:lstStyle/>
           <a:p>
-            <a:fld id="{63329F35-5440-4AE3-9BFD-A1EE19C56A10}" type="slidenum">
+            <a:fld id="{613AEBAE-02A7-4FAE-929F-DFF87EF53C09}" type="slidenum">
               <a:rPr lang="zh-CN" altLang="en-US" smtClean="0"/>
               <a:t>‹#›</a:t>
             </a:fld>
@@ -1873,7 +1873,7 @@
     </p:spTree>
     <p:extLst>
       <p:ext uri="{BB962C8B-B14F-4D97-AF65-F5344CB8AC3E}">
-        <p14:creationId xmlns:p14="http://schemas.microsoft.com/office/powerpoint/2010/main" val="4224440324"/>
+        <p14:creationId xmlns:p14="http://schemas.microsoft.com/office/powerpoint/2010/main" val="973277860"/>
       </p:ext>
     </p:extLst>
   </p:cSld>
@@ -1905,7 +1905,7 @@
           <p:cNvPr id="2" name="标题 1">
             <a:extLst>
               <a:ext uri="{FF2B5EF4-FFF2-40B4-BE49-F238E27FC236}">
-                <a16:creationId xmlns:a16="http://schemas.microsoft.com/office/drawing/2014/main" id="{78AB6EFA-6967-60B8-F981-414CD7EBDCA7}"/>
+                <a16:creationId xmlns:a16="http://schemas.microsoft.com/office/drawing/2014/main" id="{F33AFFBA-51C3-2C73-6337-F8E2BEFDB35C}"/>
               </a:ext>
             </a:extLst>
           </p:cNvPr>
@@ -1933,7 +1933,7 @@
           <p:cNvPr id="3" name="日期占位符 2">
             <a:extLst>
               <a:ext uri="{FF2B5EF4-FFF2-40B4-BE49-F238E27FC236}">
-                <a16:creationId xmlns:a16="http://schemas.microsoft.com/office/drawing/2014/main" id="{D343A71F-9FBD-0F4F-4102-F4BE3E7607DD}"/>
+                <a16:creationId xmlns:a16="http://schemas.microsoft.com/office/drawing/2014/main" id="{24CDDA38-F899-DBD7-071E-0C5C571EBD34}"/>
               </a:ext>
             </a:extLst>
           </p:cNvPr>
@@ -1949,7 +1949,7 @@
           <a:bodyPr/>
           <a:lstStyle/>
           <a:p>
-            <a:fld id="{7B1A8B69-7272-4C07-A9DE-BAD43D5B58CC}" type="datetimeFigureOut">
+            <a:fld id="{4B77FDFA-C2B5-4C17-BF22-A374DB19E798}" type="datetimeFigureOut">
               <a:rPr lang="zh-CN" altLang="en-US" smtClean="0"/>
               <a:t>2024/3/10</a:t>
             </a:fld>
@@ -1962,7 +1962,7 @@
           <p:cNvPr id="4" name="页脚占位符 3">
             <a:extLst>
               <a:ext uri="{FF2B5EF4-FFF2-40B4-BE49-F238E27FC236}">
-                <a16:creationId xmlns:a16="http://schemas.microsoft.com/office/drawing/2014/main" id="{2015EBC9-4C88-E61D-AA0F-B9B43DCA2F5E}"/>
+                <a16:creationId xmlns:a16="http://schemas.microsoft.com/office/drawing/2014/main" id="{6BC4A9E3-D4B1-1AD0-D693-514F7C2E3AF4}"/>
               </a:ext>
             </a:extLst>
           </p:cNvPr>
@@ -1987,7 +1987,7 @@
           <p:cNvPr id="5" name="灯片编号占位符 4">
             <a:extLst>
               <a:ext uri="{FF2B5EF4-FFF2-40B4-BE49-F238E27FC236}">
-                <a16:creationId xmlns:a16="http://schemas.microsoft.com/office/drawing/2014/main" id="{C706BD4F-B258-BBF5-6E0B-3F22504E285A}"/>
+                <a16:creationId xmlns:a16="http://schemas.microsoft.com/office/drawing/2014/main" id="{E42A203D-6999-46B2-228B-91C5C7D3EA5B}"/>
               </a:ext>
             </a:extLst>
           </p:cNvPr>
@@ -2003,7 +2003,7 @@
           <a:bodyPr/>
           <a:lstStyle/>
           <a:p>
-            <a:fld id="{63329F35-5440-4AE3-9BFD-A1EE19C56A10}" type="slidenum">
+            <a:fld id="{613AEBAE-02A7-4FAE-929F-DFF87EF53C09}" type="slidenum">
               <a:rPr lang="zh-CN" altLang="en-US" smtClean="0"/>
               <a:t>‹#›</a:t>
             </a:fld>
@@ -2014,7 +2014,7 @@
     </p:spTree>
     <p:extLst>
       <p:ext uri="{BB962C8B-B14F-4D97-AF65-F5344CB8AC3E}">
-        <p14:creationId xmlns:p14="http://schemas.microsoft.com/office/powerpoint/2010/main" val="477371999"/>
+        <p14:creationId xmlns:p14="http://schemas.microsoft.com/office/powerpoint/2010/main" val="904512693"/>
       </p:ext>
     </p:extLst>
   </p:cSld>
@@ -2046,7 +2046,7 @@
           <p:cNvPr id="2" name="日期占位符 1">
             <a:extLst>
               <a:ext uri="{FF2B5EF4-FFF2-40B4-BE49-F238E27FC236}">
-                <a16:creationId xmlns:a16="http://schemas.microsoft.com/office/drawing/2014/main" id="{C14417CC-BD15-B417-E903-A0FBCEF929FF}"/>
+                <a16:creationId xmlns:a16="http://schemas.microsoft.com/office/drawing/2014/main" id="{7ED93DB1-E3D8-61C2-46FC-7DFF8C35B316}"/>
               </a:ext>
             </a:extLst>
           </p:cNvPr>
@@ -2062,7 +2062,7 @@
           <a:bodyPr/>
           <a:lstStyle/>
           <a:p>
-            <a:fld id="{7B1A8B69-7272-4C07-A9DE-BAD43D5B58CC}" type="datetimeFigureOut">
+            <a:fld id="{4B77FDFA-C2B5-4C17-BF22-A374DB19E798}" type="datetimeFigureOut">
               <a:rPr lang="zh-CN" altLang="en-US" smtClean="0"/>
               <a:t>2024/3/10</a:t>
             </a:fld>
@@ -2075,7 +2075,7 @@
           <p:cNvPr id="3" name="页脚占位符 2">
             <a:extLst>
               <a:ext uri="{FF2B5EF4-FFF2-40B4-BE49-F238E27FC236}">
-                <a16:creationId xmlns:a16="http://schemas.microsoft.com/office/drawing/2014/main" id="{AF7C232F-6FE4-2256-453D-845B488F30A8}"/>
+                <a16:creationId xmlns:a16="http://schemas.microsoft.com/office/drawing/2014/main" id="{27C95FD2-C666-79F1-A594-169CEB14630E}"/>
               </a:ext>
             </a:extLst>
           </p:cNvPr>
@@ -2100,7 +2100,7 @@
           <p:cNvPr id="4" name="灯片编号占位符 3">
             <a:extLst>
               <a:ext uri="{FF2B5EF4-FFF2-40B4-BE49-F238E27FC236}">
-                <a16:creationId xmlns:a16="http://schemas.microsoft.com/office/drawing/2014/main" id="{D8ADB726-DB56-18B2-BF86-924D8D077F04}"/>
+                <a16:creationId xmlns:a16="http://schemas.microsoft.com/office/drawing/2014/main" id="{41DAC40C-D924-949A-2319-8A30C39D4A33}"/>
               </a:ext>
             </a:extLst>
           </p:cNvPr>
@@ -2116,7 +2116,7 @@
           <a:bodyPr/>
           <a:lstStyle/>
           <a:p>
-            <a:fld id="{63329F35-5440-4AE3-9BFD-A1EE19C56A10}" type="slidenum">
+            <a:fld id="{613AEBAE-02A7-4FAE-929F-DFF87EF53C09}" type="slidenum">
               <a:rPr lang="zh-CN" altLang="en-US" smtClean="0"/>
               <a:t>‹#›</a:t>
             </a:fld>
@@ -2127,7 +2127,7 @@
     </p:spTree>
     <p:extLst>
       <p:ext uri="{BB962C8B-B14F-4D97-AF65-F5344CB8AC3E}">
-        <p14:creationId xmlns:p14="http://schemas.microsoft.com/office/powerpoint/2010/main" val="1370002033"/>
+        <p14:creationId xmlns:p14="http://schemas.microsoft.com/office/powerpoint/2010/main" val="3783556728"/>
       </p:ext>
     </p:extLst>
   </p:cSld>
@@ -2159,7 +2159,7 @@
           <p:cNvPr id="2" name="标题 1">
             <a:extLst>
               <a:ext uri="{FF2B5EF4-FFF2-40B4-BE49-F238E27FC236}">
-                <a16:creationId xmlns:a16="http://schemas.microsoft.com/office/drawing/2014/main" id="{63A3EECB-DC4C-A6F8-7FDE-37EECB724B3D}"/>
+                <a16:creationId xmlns:a16="http://schemas.microsoft.com/office/drawing/2014/main" id="{6409B97B-9329-2AAD-487F-EB0CF8C490CD}"/>
               </a:ext>
             </a:extLst>
           </p:cNvPr>
@@ -2196,7 +2196,7 @@
           <p:cNvPr id="3" name="内容占位符 2">
             <a:extLst>
               <a:ext uri="{FF2B5EF4-FFF2-40B4-BE49-F238E27FC236}">
-                <a16:creationId xmlns:a16="http://schemas.microsoft.com/office/drawing/2014/main" id="{C6515A09-278B-9556-602A-D8C44302FA4B}"/>
+                <a16:creationId xmlns:a16="http://schemas.microsoft.com/office/drawing/2014/main" id="{EA1821F8-EE35-92AB-C4BF-0E4EB0BD0FB8}"/>
               </a:ext>
             </a:extLst>
           </p:cNvPr>
@@ -2286,7 +2286,7 @@
           <p:cNvPr id="4" name="文本占位符 3">
             <a:extLst>
               <a:ext uri="{FF2B5EF4-FFF2-40B4-BE49-F238E27FC236}">
-                <a16:creationId xmlns:a16="http://schemas.microsoft.com/office/drawing/2014/main" id="{4BB7D9DC-C10F-BD25-87E5-5B9872E8EAC2}"/>
+                <a16:creationId xmlns:a16="http://schemas.microsoft.com/office/drawing/2014/main" id="{44854A30-2A81-B3AF-E1BC-1AEF728B4E1E}"/>
               </a:ext>
             </a:extLst>
           </p:cNvPr>
@@ -2357,7 +2357,7 @@
           <p:cNvPr id="5" name="日期占位符 4">
             <a:extLst>
               <a:ext uri="{FF2B5EF4-FFF2-40B4-BE49-F238E27FC236}">
-                <a16:creationId xmlns:a16="http://schemas.microsoft.com/office/drawing/2014/main" id="{FC015F29-8648-67CB-4E29-13BBAB5ED1EA}"/>
+                <a16:creationId xmlns:a16="http://schemas.microsoft.com/office/drawing/2014/main" id="{325A509A-673B-EC23-5BE5-5C9D32D80C6D}"/>
               </a:ext>
             </a:extLst>
           </p:cNvPr>
@@ -2373,7 +2373,7 @@
           <a:bodyPr/>
           <a:lstStyle/>
           <a:p>
-            <a:fld id="{7B1A8B69-7272-4C07-A9DE-BAD43D5B58CC}" type="datetimeFigureOut">
+            <a:fld id="{4B77FDFA-C2B5-4C17-BF22-A374DB19E798}" type="datetimeFigureOut">
               <a:rPr lang="zh-CN" altLang="en-US" smtClean="0"/>
               <a:t>2024/3/10</a:t>
             </a:fld>
@@ -2386,7 +2386,7 @@
           <p:cNvPr id="6" name="页脚占位符 5">
             <a:extLst>
               <a:ext uri="{FF2B5EF4-FFF2-40B4-BE49-F238E27FC236}">
-                <a16:creationId xmlns:a16="http://schemas.microsoft.com/office/drawing/2014/main" id="{C57E7740-F77B-A532-A8CB-9ACB205F27B8}"/>
+                <a16:creationId xmlns:a16="http://schemas.microsoft.com/office/drawing/2014/main" id="{EB21E577-C69F-DBBD-F1F4-16BBA3951857}"/>
               </a:ext>
             </a:extLst>
           </p:cNvPr>
@@ -2411,7 +2411,7 @@
           <p:cNvPr id="7" name="灯片编号占位符 6">
             <a:extLst>
               <a:ext uri="{FF2B5EF4-FFF2-40B4-BE49-F238E27FC236}">
-                <a16:creationId xmlns:a16="http://schemas.microsoft.com/office/drawing/2014/main" id="{5E512CA3-EF5B-7918-D2E9-6209385F9B2C}"/>
+                <a16:creationId xmlns:a16="http://schemas.microsoft.com/office/drawing/2014/main" id="{5A5E19A5-2BAC-7848-8709-C1F5088AC4C0}"/>
               </a:ext>
             </a:extLst>
           </p:cNvPr>
@@ -2427,7 +2427,7 @@
           <a:bodyPr/>
           <a:lstStyle/>
           <a:p>
-            <a:fld id="{63329F35-5440-4AE3-9BFD-A1EE19C56A10}" type="slidenum">
+            <a:fld id="{613AEBAE-02A7-4FAE-929F-DFF87EF53C09}" type="slidenum">
               <a:rPr lang="zh-CN" altLang="en-US" smtClean="0"/>
               <a:t>‹#›</a:t>
             </a:fld>
@@ -2438,7 +2438,7 @@
     </p:spTree>
     <p:extLst>
       <p:ext uri="{BB962C8B-B14F-4D97-AF65-F5344CB8AC3E}">
-        <p14:creationId xmlns:p14="http://schemas.microsoft.com/office/powerpoint/2010/main" val="3668096249"/>
+        <p14:creationId xmlns:p14="http://schemas.microsoft.com/office/powerpoint/2010/main" val="296910309"/>
       </p:ext>
     </p:extLst>
   </p:cSld>
@@ -2470,7 +2470,7 @@
           <p:cNvPr id="2" name="标题 1">
             <a:extLst>
               <a:ext uri="{FF2B5EF4-FFF2-40B4-BE49-F238E27FC236}">
-                <a16:creationId xmlns:a16="http://schemas.microsoft.com/office/drawing/2014/main" id="{811C08D1-E55A-BADD-17EB-2D887E696F84}"/>
+                <a16:creationId xmlns:a16="http://schemas.microsoft.com/office/drawing/2014/main" id="{3CB4968F-B30B-DD23-BCCC-A83D3908D7A1}"/>
               </a:ext>
             </a:extLst>
           </p:cNvPr>
@@ -2507,7 +2507,7 @@
           <p:cNvPr id="3" name="图片占位符 2">
             <a:extLst>
               <a:ext uri="{FF2B5EF4-FFF2-40B4-BE49-F238E27FC236}">
-                <a16:creationId xmlns:a16="http://schemas.microsoft.com/office/drawing/2014/main" id="{74F99AA3-4190-E2B9-264F-FE82A6937D07}"/>
+                <a16:creationId xmlns:a16="http://schemas.microsoft.com/office/drawing/2014/main" id="{01F361C6-844F-FC7D-5E84-2AC8629B4B0F}"/>
               </a:ext>
             </a:extLst>
           </p:cNvPr>
@@ -2574,7 +2574,7 @@
           <p:cNvPr id="4" name="文本占位符 3">
             <a:extLst>
               <a:ext uri="{FF2B5EF4-FFF2-40B4-BE49-F238E27FC236}">
-                <a16:creationId xmlns:a16="http://schemas.microsoft.com/office/drawing/2014/main" id="{B67A3787-A738-E4B5-9378-C6CBE62ABE07}"/>
+                <a16:creationId xmlns:a16="http://schemas.microsoft.com/office/drawing/2014/main" id="{432B62F8-A936-9E00-8CC8-CBD3C3A5AE31}"/>
               </a:ext>
             </a:extLst>
           </p:cNvPr>
@@ -2645,7 +2645,7 @@
           <p:cNvPr id="5" name="日期占位符 4">
             <a:extLst>
               <a:ext uri="{FF2B5EF4-FFF2-40B4-BE49-F238E27FC236}">
-                <a16:creationId xmlns:a16="http://schemas.microsoft.com/office/drawing/2014/main" id="{8F04C456-2CFA-476B-4994-5B42CBC8ACB1}"/>
+                <a16:creationId xmlns:a16="http://schemas.microsoft.com/office/drawing/2014/main" id="{D852A8D0-E27B-4A47-1FD1-683333F8B4B0}"/>
               </a:ext>
             </a:extLst>
           </p:cNvPr>
@@ -2661,7 +2661,7 @@
           <a:bodyPr/>
           <a:lstStyle/>
           <a:p>
-            <a:fld id="{7B1A8B69-7272-4C07-A9DE-BAD43D5B58CC}" type="datetimeFigureOut">
+            <a:fld id="{4B77FDFA-C2B5-4C17-BF22-A374DB19E798}" type="datetimeFigureOut">
               <a:rPr lang="zh-CN" altLang="en-US" smtClean="0"/>
               <a:t>2024/3/10</a:t>
             </a:fld>
@@ -2674,7 +2674,7 @@
           <p:cNvPr id="6" name="页脚占位符 5">
             <a:extLst>
               <a:ext uri="{FF2B5EF4-FFF2-40B4-BE49-F238E27FC236}">
-                <a16:creationId xmlns:a16="http://schemas.microsoft.com/office/drawing/2014/main" id="{9F106CC3-48FD-130C-E64D-7C66E18C8367}"/>
+                <a16:creationId xmlns:a16="http://schemas.microsoft.com/office/drawing/2014/main" id="{07CE515E-0D47-92F9-E99A-83DA7B924557}"/>
               </a:ext>
             </a:extLst>
           </p:cNvPr>
@@ -2699,7 +2699,7 @@
           <p:cNvPr id="7" name="灯片编号占位符 6">
             <a:extLst>
               <a:ext uri="{FF2B5EF4-FFF2-40B4-BE49-F238E27FC236}">
-                <a16:creationId xmlns:a16="http://schemas.microsoft.com/office/drawing/2014/main" id="{F03BC6C8-1377-D6E8-C80B-DB1C48CC92D8}"/>
+                <a16:creationId xmlns:a16="http://schemas.microsoft.com/office/drawing/2014/main" id="{F256B1FD-D8A2-4C1C-341C-1B2CE9012AB0}"/>
               </a:ext>
             </a:extLst>
           </p:cNvPr>
@@ -2715,7 +2715,7 @@
           <a:bodyPr/>
           <a:lstStyle/>
           <a:p>
-            <a:fld id="{63329F35-5440-4AE3-9BFD-A1EE19C56A10}" type="slidenum">
+            <a:fld id="{613AEBAE-02A7-4FAE-929F-DFF87EF53C09}" type="slidenum">
               <a:rPr lang="zh-CN" altLang="en-US" smtClean="0"/>
               <a:t>‹#›</a:t>
             </a:fld>
@@ -2726,7 +2726,7 @@
     </p:spTree>
     <p:extLst>
       <p:ext uri="{BB962C8B-B14F-4D97-AF65-F5344CB8AC3E}">
-        <p14:creationId xmlns:p14="http://schemas.microsoft.com/office/powerpoint/2010/main" val="2267891413"/>
+        <p14:creationId xmlns:p14="http://schemas.microsoft.com/office/powerpoint/2010/main" val="253952862"/>
       </p:ext>
     </p:extLst>
   </p:cSld>
@@ -2763,7 +2763,7 @@
           <p:cNvPr id="2" name="标题占位符 1">
             <a:extLst>
               <a:ext uri="{FF2B5EF4-FFF2-40B4-BE49-F238E27FC236}">
-                <a16:creationId xmlns:a16="http://schemas.microsoft.com/office/drawing/2014/main" id="{82388B95-1FF7-850C-20E7-F9D67AF6FE07}"/>
+                <a16:creationId xmlns:a16="http://schemas.microsoft.com/office/drawing/2014/main" id="{8B1711C2-D952-F2EE-76AE-0A8549093BC4}"/>
               </a:ext>
             </a:extLst>
           </p:cNvPr>
@@ -2801,7 +2801,7 @@
           <p:cNvPr id="3" name="文本占位符 2">
             <a:extLst>
               <a:ext uri="{FF2B5EF4-FFF2-40B4-BE49-F238E27FC236}">
-                <a16:creationId xmlns:a16="http://schemas.microsoft.com/office/drawing/2014/main" id="{712094FD-A868-6AFF-3CA6-129B2C7E7D7C}"/>
+                <a16:creationId xmlns:a16="http://schemas.microsoft.com/office/drawing/2014/main" id="{E03B08F9-228B-FBCE-AECD-4C59988DEEB6}"/>
               </a:ext>
             </a:extLst>
           </p:cNvPr>
@@ -2868,7 +2868,7 @@
           <p:cNvPr id="4" name="日期占位符 3">
             <a:extLst>
               <a:ext uri="{FF2B5EF4-FFF2-40B4-BE49-F238E27FC236}">
-                <a16:creationId xmlns:a16="http://schemas.microsoft.com/office/drawing/2014/main" id="{3A477606-6FF8-3AD6-AEB4-6C0FE2AE70DF}"/>
+                <a16:creationId xmlns:a16="http://schemas.microsoft.com/office/drawing/2014/main" id="{F48CC7F0-438E-69BD-A81B-CD094B1AE8CD}"/>
               </a:ext>
             </a:extLst>
           </p:cNvPr>
@@ -2902,7 +2902,7 @@
             </a:lvl1pPr>
           </a:lstStyle>
           <a:p>
-            <a:fld id="{7B1A8B69-7272-4C07-A9DE-BAD43D5B58CC}" type="datetimeFigureOut">
+            <a:fld id="{4B77FDFA-C2B5-4C17-BF22-A374DB19E798}" type="datetimeFigureOut">
               <a:rPr lang="zh-CN" altLang="en-US" smtClean="0"/>
               <a:t>2024/3/10</a:t>
             </a:fld>
@@ -2915,7 +2915,7 @@
           <p:cNvPr id="5" name="页脚占位符 4">
             <a:extLst>
               <a:ext uri="{FF2B5EF4-FFF2-40B4-BE49-F238E27FC236}">
-                <a16:creationId xmlns:a16="http://schemas.microsoft.com/office/drawing/2014/main" id="{02BFD665-2E05-A501-B30B-BCAA9BA2E9EE}"/>
+                <a16:creationId xmlns:a16="http://schemas.microsoft.com/office/drawing/2014/main" id="{FE3D08D1-ED87-03AF-3661-7D970220D247}"/>
               </a:ext>
             </a:extLst>
           </p:cNvPr>
@@ -2958,7 +2958,7 @@
           <p:cNvPr id="6" name="灯片编号占位符 5">
             <a:extLst>
               <a:ext uri="{FF2B5EF4-FFF2-40B4-BE49-F238E27FC236}">
-                <a16:creationId xmlns:a16="http://schemas.microsoft.com/office/drawing/2014/main" id="{A3E6FB8C-3846-1D3B-CF8F-F01732229D65}"/>
+                <a16:creationId xmlns:a16="http://schemas.microsoft.com/office/drawing/2014/main" id="{588B86B9-A5C3-0DBB-E370-6C649BB808B0}"/>
               </a:ext>
             </a:extLst>
           </p:cNvPr>
@@ -2992,7 +2992,7 @@
             </a:lvl1pPr>
           </a:lstStyle>
           <a:p>
-            <a:fld id="{63329F35-5440-4AE3-9BFD-A1EE19C56A10}" type="slidenum">
+            <a:fld id="{613AEBAE-02A7-4FAE-929F-DFF87EF53C09}" type="slidenum">
               <a:rPr lang="zh-CN" altLang="en-US" smtClean="0"/>
               <a:t>‹#›</a:t>
             </a:fld>
@@ -3003,7 +3003,7 @@
     </p:spTree>
     <p:extLst>
       <p:ext uri="{BB962C8B-B14F-4D97-AF65-F5344CB8AC3E}">
-        <p14:creationId xmlns:p14="http://schemas.microsoft.com/office/powerpoint/2010/main" val="2709913396"/>
+        <p14:creationId xmlns:p14="http://schemas.microsoft.com/office/powerpoint/2010/main" val="2222010481"/>
       </p:ext>
     </p:extLst>
   </p:cSld>
@@ -3323,7 +3323,7 @@
       </p:grpSpPr>
       <p:pic>
         <p:nvPicPr>
-          <p:cNvPr id="1191938" name="Picture 2" descr="1163"/>
+          <p:cNvPr id="1192962" name="Picture 2" descr="1164"/>
           <p:cNvPicPr>
             <a:picLocks noChangeAspect="1" noChangeArrowheads="1"/>
           </p:cNvPicPr>
@@ -3344,8 +3344,8 @@
         </p:blipFill>
         <p:spPr bwMode="auto">
           <a:xfrm>
-            <a:off x="1543050" y="14288"/>
-            <a:ext cx="9124950" cy="6843712"/>
+            <a:off x="1524000" y="0"/>
+            <a:ext cx="9144000" cy="6858000"/>
           </a:xfrm>
           <a:prstGeom prst="rect">
             <a:avLst/>
